--- a/Gameprogramming/week_second/2주차.pptx
+++ b/Gameprogramming/week_second/2주차.pptx
@@ -1248,7 +1248,7 @@
           <a:p>
             <a:fld id="{FB30EDBD-1C2D-4C1E-B459-B60219FAB484}" type="datetimeFigureOut">
               <a:rPr lang="en-US" altLang="ko-KR"/>
-              <a:t>2017-04-29</a:t>
+              <a:t>5/2/2017</a:t>
             </a:fld>
             <a:endParaRPr/>
           </a:p>
@@ -1402,7 +1402,7 @@
           <a:p>
             <a:fld id="{FB30EDBD-1C2D-4C1E-B459-B60219FAB484}" type="datetimeFigureOut">
               <a:rPr lang="en-US" altLang="ko-KR"/>
-              <a:t>2017-04-29</a:t>
+              <a:t>5/2/2017</a:t>
             </a:fld>
             <a:endParaRPr/>
           </a:p>
@@ -1570,7 +1570,7 @@
                   <a:schemeClr val="bg1"/>
                 </a:solidFill>
               </a:rPr>
-              <a:t>2017-04-29</a:t>
+              <a:t>5/2/2017</a:t>
             </a:fld>
             <a:endParaRPr sz="1200">
               <a:solidFill>
@@ -1990,7 +1990,7 @@
                   <a:schemeClr val="bg1"/>
                 </a:solidFill>
               </a:rPr>
-              <a:t>2017-04-29</a:t>
+              <a:t>5/2/2017</a:t>
             </a:fld>
             <a:endParaRPr sz="1200">
               <a:solidFill>
@@ -2357,7 +2357,7 @@
                   <a:schemeClr val="bg1"/>
                 </a:solidFill>
               </a:rPr>
-              <a:t>2017-04-29</a:t>
+              <a:t>5/2/2017</a:t>
             </a:fld>
             <a:endParaRPr sz="1200">
               <a:solidFill>
@@ -3016,6 +3016,18 @@
               </a:rPr>
               <a:t>설치하기</a:t>
             </a:r>
+            <a:r>
+              <a:rPr lang="en-US" altLang="ko-KR" sz="800" kern="1200">
+                <a:solidFill>
+                  <a:schemeClr val="bg1"/>
+                </a:solidFill>
+                <a:latin typeface="나눔고딕"/>
+                <a:ea typeface="나눔고딕"/>
+                <a:cs typeface="+mn-cs"/>
+                <a:hlinkClick r:id="rId4"/>
+              </a:rPr>
+              <a:t/>
+            </a:r>
             <a:br>
               <a:rPr lang="en-US" altLang="ko-KR" sz="800" kern="1200">
                 <a:solidFill>
@@ -4963,6 +4975,18 @@
               </a:rPr>
               <a:t>설치하기</a:t>
             </a:r>
+            <a:r>
+              <a:rPr lang="en-US" altLang="ko-KR" sz="800" kern="1200">
+                <a:solidFill>
+                  <a:schemeClr val="bg1"/>
+                </a:solidFill>
+                <a:latin typeface="나눔고딕"/>
+                <a:ea typeface="나눔고딕"/>
+                <a:cs typeface="+mn-cs"/>
+                <a:hlinkClick r:id="rId3"/>
+              </a:rPr>
+              <a:t/>
+            </a:r>
             <a:br>
               <a:rPr lang="en-US" altLang="ko-KR" sz="800" kern="1200">
                 <a:solidFill>
@@ -5289,6 +5313,13 @@
   <p:clrMapOvr>
     <a:masterClrMapping/>
   </p:clrMapOvr>
+  <p:timing>
+    <p:tnLst>
+      <p:par>
+        <p:cTn id="1" dur="indefinite" restart="never" nodeType="tmRoot"/>
+      </p:par>
+    </p:tnLst>
+  </p:timing>
 </p:sld>
 </file>
 
@@ -5406,17 +5437,62 @@
               <a:buNone/>
             </a:pPr>
             <a:r>
-              <a:rPr altLang="ko-KR" sz="3200" u="sng">
-                <a:solidFill>
-                  <a:schemeClr val="bg1">
-                    <a:alpha val="100000"/>
-                  </a:schemeClr>
-                </a:solidFill>
-                <a:latin typeface="+mn-ea"/>
-                <a:ea typeface="+mn-ea"/>
-              </a:rPr>
-              <a:t>Python 사용에 대한</a:t>
-            </a:r>
+              <a:rPr altLang="ko-KR" sz="3200" u="sng" dirty="0">
+                <a:solidFill>
+                  <a:schemeClr val="bg1">
+                    <a:alpha val="100000"/>
+                  </a:schemeClr>
+                </a:solidFill>
+                <a:latin typeface="+mn-ea"/>
+                <a:ea typeface="+mn-ea"/>
+              </a:rPr>
+              <a:t>Python </a:t>
+            </a:r>
+            <a:r>
+              <a:rPr altLang="ko-KR" sz="3200" u="sng" dirty="0" err="1">
+                <a:solidFill>
+                  <a:schemeClr val="bg1">
+                    <a:alpha val="100000"/>
+                  </a:schemeClr>
+                </a:solidFill>
+                <a:latin typeface="+mn-ea"/>
+                <a:ea typeface="+mn-ea"/>
+              </a:rPr>
+              <a:t>사용에</a:t>
+            </a:r>
+            <a:r>
+              <a:rPr altLang="ko-KR" sz="3200" u="sng" dirty="0">
+                <a:solidFill>
+                  <a:schemeClr val="bg1">
+                    <a:alpha val="100000"/>
+                  </a:schemeClr>
+                </a:solidFill>
+                <a:latin typeface="+mn-ea"/>
+                <a:ea typeface="+mn-ea"/>
+              </a:rPr>
+              <a:t> </a:t>
+            </a:r>
+            <a:r>
+              <a:rPr altLang="ko-KR" sz="3200" u="sng" dirty="0" err="1">
+                <a:solidFill>
+                  <a:schemeClr val="bg1">
+                    <a:alpha val="100000"/>
+                  </a:schemeClr>
+                </a:solidFill>
+                <a:latin typeface="+mn-ea"/>
+                <a:ea typeface="+mn-ea"/>
+              </a:rPr>
+              <a:t>대한</a:t>
+            </a:r>
+            <a:endParaRPr altLang="ko-KR" sz="3200" u="sng" dirty="0">
+              <a:solidFill>
+                <a:schemeClr val="bg1">
+                  <a:alpha val="100000"/>
+                </a:schemeClr>
+              </a:solidFill>
+              <a:latin typeface="+mn-ea"/>
+              <a:ea typeface="+mn-ea"/>
+            </a:endParaRPr>
           </a:p>
           <a:p>
             <a:pPr marL="0" lvl="0" algn="l">
@@ -5427,16 +5503,244 @@
               <a:buChar char="•"/>
             </a:pPr>
             <a:r>
-              <a:rPr altLang="ko-KR" sz="2800">
-                <a:solidFill>
-                  <a:schemeClr val="bg1">
-                    <a:alpha val="100000"/>
-                  </a:schemeClr>
-                </a:solidFill>
-                <a:latin typeface="+mn-ea"/>
-                <a:ea typeface="+mn-ea"/>
-              </a:rPr>
-              <a:t>주력 언어인 python에 대해서 심화 고정으로써 python으로 넓은 주제에 접근하고자 함.</a:t>
+              <a:rPr altLang="ko-KR" sz="2800" dirty="0" err="1">
+                <a:solidFill>
+                  <a:schemeClr val="bg1">
+                    <a:alpha val="100000"/>
+                  </a:schemeClr>
+                </a:solidFill>
+                <a:latin typeface="+mn-ea"/>
+                <a:ea typeface="+mn-ea"/>
+              </a:rPr>
+              <a:t>주력</a:t>
+            </a:r>
+            <a:r>
+              <a:rPr altLang="ko-KR" sz="2800" dirty="0">
+                <a:solidFill>
+                  <a:schemeClr val="bg1">
+                    <a:alpha val="100000"/>
+                  </a:schemeClr>
+                </a:solidFill>
+                <a:latin typeface="+mn-ea"/>
+                <a:ea typeface="+mn-ea"/>
+              </a:rPr>
+              <a:t> </a:t>
+            </a:r>
+            <a:r>
+              <a:rPr altLang="ko-KR" sz="2800" dirty="0" err="1">
+                <a:solidFill>
+                  <a:schemeClr val="bg1">
+                    <a:alpha val="100000"/>
+                  </a:schemeClr>
+                </a:solidFill>
+                <a:latin typeface="+mn-ea"/>
+                <a:ea typeface="+mn-ea"/>
+              </a:rPr>
+              <a:t>언어인</a:t>
+            </a:r>
+            <a:r>
+              <a:rPr altLang="ko-KR" sz="2800" dirty="0">
+                <a:solidFill>
+                  <a:schemeClr val="bg1">
+                    <a:alpha val="100000"/>
+                  </a:schemeClr>
+                </a:solidFill>
+                <a:latin typeface="+mn-ea"/>
+                <a:ea typeface="+mn-ea"/>
+              </a:rPr>
+              <a:t> </a:t>
+            </a:r>
+            <a:r>
+              <a:rPr altLang="ko-KR" sz="2800" dirty="0" err="1">
+                <a:solidFill>
+                  <a:schemeClr val="bg1">
+                    <a:alpha val="100000"/>
+                  </a:schemeClr>
+                </a:solidFill>
+                <a:latin typeface="+mn-ea"/>
+                <a:ea typeface="+mn-ea"/>
+              </a:rPr>
+              <a:t>python에</a:t>
+            </a:r>
+            <a:r>
+              <a:rPr altLang="ko-KR" sz="2800" dirty="0">
+                <a:solidFill>
+                  <a:schemeClr val="bg1">
+                    <a:alpha val="100000"/>
+                  </a:schemeClr>
+                </a:solidFill>
+                <a:latin typeface="+mn-ea"/>
+                <a:ea typeface="+mn-ea"/>
+              </a:rPr>
+              <a:t> </a:t>
+            </a:r>
+            <a:r>
+              <a:rPr altLang="ko-KR" sz="2800" dirty="0" err="1">
+                <a:solidFill>
+                  <a:schemeClr val="bg1">
+                    <a:alpha val="100000"/>
+                  </a:schemeClr>
+                </a:solidFill>
+                <a:latin typeface="+mn-ea"/>
+                <a:ea typeface="+mn-ea"/>
+              </a:rPr>
+              <a:t>대해서</a:t>
+            </a:r>
+            <a:r>
+              <a:rPr altLang="ko-KR" sz="2800" dirty="0">
+                <a:solidFill>
+                  <a:schemeClr val="bg1">
+                    <a:alpha val="100000"/>
+                  </a:schemeClr>
+                </a:solidFill>
+                <a:latin typeface="+mn-ea"/>
+                <a:ea typeface="+mn-ea"/>
+              </a:rPr>
+              <a:t> </a:t>
+            </a:r>
+            <a:r>
+              <a:rPr altLang="ko-KR" sz="2800" dirty="0" err="1">
+                <a:solidFill>
+                  <a:schemeClr val="bg1">
+                    <a:alpha val="100000"/>
+                  </a:schemeClr>
+                </a:solidFill>
+                <a:latin typeface="+mn-ea"/>
+                <a:ea typeface="+mn-ea"/>
+              </a:rPr>
+              <a:t>심화</a:t>
+            </a:r>
+            <a:r>
+              <a:rPr altLang="ko-KR" sz="2800" dirty="0">
+                <a:solidFill>
+                  <a:schemeClr val="bg1">
+                    <a:alpha val="100000"/>
+                  </a:schemeClr>
+                </a:solidFill>
+                <a:latin typeface="+mn-ea"/>
+                <a:ea typeface="+mn-ea"/>
+              </a:rPr>
+              <a:t> </a:t>
+            </a:r>
+            <a:r>
+              <a:rPr altLang="ko-KR" sz="2800" dirty="0" err="1">
+                <a:solidFill>
+                  <a:schemeClr val="bg1">
+                    <a:alpha val="100000"/>
+                  </a:schemeClr>
+                </a:solidFill>
+                <a:latin typeface="+mn-ea"/>
+                <a:ea typeface="+mn-ea"/>
+              </a:rPr>
+              <a:t>고정으로써</a:t>
+            </a:r>
+            <a:r>
+              <a:rPr altLang="ko-KR" sz="2800" dirty="0">
+                <a:solidFill>
+                  <a:schemeClr val="bg1">
+                    <a:alpha val="100000"/>
+                  </a:schemeClr>
+                </a:solidFill>
+                <a:latin typeface="+mn-ea"/>
+                <a:ea typeface="+mn-ea"/>
+              </a:rPr>
+              <a:t> </a:t>
+            </a:r>
+            <a:r>
+              <a:rPr altLang="ko-KR" sz="2800" dirty="0" err="1">
+                <a:solidFill>
+                  <a:schemeClr val="bg1">
+                    <a:alpha val="100000"/>
+                  </a:schemeClr>
+                </a:solidFill>
+                <a:latin typeface="+mn-ea"/>
+                <a:ea typeface="+mn-ea"/>
+              </a:rPr>
+              <a:t>python으로</a:t>
+            </a:r>
+            <a:r>
+              <a:rPr altLang="ko-KR" sz="2800" dirty="0">
+                <a:solidFill>
+                  <a:schemeClr val="bg1">
+                    <a:alpha val="100000"/>
+                  </a:schemeClr>
+                </a:solidFill>
+                <a:latin typeface="+mn-ea"/>
+                <a:ea typeface="+mn-ea"/>
+              </a:rPr>
+              <a:t> </a:t>
+            </a:r>
+            <a:r>
+              <a:rPr altLang="ko-KR" sz="2800" dirty="0" err="1">
+                <a:solidFill>
+                  <a:schemeClr val="bg1">
+                    <a:alpha val="100000"/>
+                  </a:schemeClr>
+                </a:solidFill>
+                <a:latin typeface="+mn-ea"/>
+                <a:ea typeface="+mn-ea"/>
+              </a:rPr>
+              <a:t>넓은</a:t>
+            </a:r>
+            <a:r>
+              <a:rPr altLang="ko-KR" sz="2800" dirty="0">
+                <a:solidFill>
+                  <a:schemeClr val="bg1">
+                    <a:alpha val="100000"/>
+                  </a:schemeClr>
+                </a:solidFill>
+                <a:latin typeface="+mn-ea"/>
+                <a:ea typeface="+mn-ea"/>
+              </a:rPr>
+              <a:t> </a:t>
+            </a:r>
+            <a:r>
+              <a:rPr altLang="ko-KR" sz="2800" dirty="0" err="1">
+                <a:solidFill>
+                  <a:schemeClr val="bg1">
+                    <a:alpha val="100000"/>
+                  </a:schemeClr>
+                </a:solidFill>
+                <a:latin typeface="+mn-ea"/>
+                <a:ea typeface="+mn-ea"/>
+              </a:rPr>
+              <a:t>주제에</a:t>
+            </a:r>
+            <a:r>
+              <a:rPr altLang="ko-KR" sz="2800" dirty="0">
+                <a:solidFill>
+                  <a:schemeClr val="bg1">
+                    <a:alpha val="100000"/>
+                  </a:schemeClr>
+                </a:solidFill>
+                <a:latin typeface="+mn-ea"/>
+                <a:ea typeface="+mn-ea"/>
+              </a:rPr>
+              <a:t> </a:t>
+            </a:r>
+            <a:r>
+              <a:rPr altLang="ko-KR" sz="2800" dirty="0" err="1">
+                <a:solidFill>
+                  <a:schemeClr val="bg1">
+                    <a:alpha val="100000"/>
+                  </a:schemeClr>
+                </a:solidFill>
+                <a:latin typeface="+mn-ea"/>
+                <a:ea typeface="+mn-ea"/>
+              </a:rPr>
+              <a:t>접근하고자</a:t>
+            </a:r>
+            <a:r>
+              <a:rPr altLang="ko-KR" sz="2800" dirty="0">
+                <a:solidFill>
+                  <a:schemeClr val="bg1">
+                    <a:alpha val="100000"/>
+                  </a:schemeClr>
+                </a:solidFill>
+                <a:latin typeface="+mn-ea"/>
+                <a:ea typeface="+mn-ea"/>
+              </a:rPr>
+              <a:t> 함.</a:t>
             </a:r>
           </a:p>
           <a:p>
@@ -5448,26 +5752,174 @@
               <a:buChar char="•"/>
             </a:pPr>
             <a:r>
-              <a:rPr altLang="ko-KR" sz="2800">
-                <a:solidFill>
-                  <a:schemeClr val="bg1">
-                    <a:alpha val="100000"/>
-                  </a:schemeClr>
-                </a:solidFill>
-                <a:latin typeface="+mn-ea"/>
-                <a:ea typeface="+mn-ea"/>
-              </a:rPr>
-              <a:t>python으로도 게임을 만들 수 있다는 것을 보여주기 위함.</a:t>
-            </a:r>
-          </a:p>
-          <a:p>
-            <a:pPr marL="0" lvl="0" algn="l">
-              <a:lnSpc>
-                <a:spcPct val="100000"/>
-              </a:lnSpc>
-              <a:buNone/>
-            </a:pPr>
-            <a:endParaRPr altLang="ko-KR" sz="2800">
+              <a:rPr altLang="ko-KR" sz="2800" dirty="0" err="1">
+                <a:solidFill>
+                  <a:schemeClr val="bg1">
+                    <a:alpha val="100000"/>
+                  </a:schemeClr>
+                </a:solidFill>
+                <a:latin typeface="+mn-ea"/>
+                <a:ea typeface="+mn-ea"/>
+              </a:rPr>
+              <a:t>python으로도</a:t>
+            </a:r>
+            <a:r>
+              <a:rPr altLang="ko-KR" sz="2800" dirty="0">
+                <a:solidFill>
+                  <a:schemeClr val="bg1">
+                    <a:alpha val="100000"/>
+                  </a:schemeClr>
+                </a:solidFill>
+                <a:latin typeface="+mn-ea"/>
+                <a:ea typeface="+mn-ea"/>
+              </a:rPr>
+              <a:t> </a:t>
+            </a:r>
+            <a:r>
+              <a:rPr altLang="ko-KR" sz="2800" dirty="0" err="1">
+                <a:solidFill>
+                  <a:schemeClr val="bg1">
+                    <a:alpha val="100000"/>
+                  </a:schemeClr>
+                </a:solidFill>
+                <a:latin typeface="+mn-ea"/>
+                <a:ea typeface="+mn-ea"/>
+              </a:rPr>
+              <a:t>게임을</a:t>
+            </a:r>
+            <a:r>
+              <a:rPr altLang="ko-KR" sz="2800" dirty="0">
+                <a:solidFill>
+                  <a:schemeClr val="bg1">
+                    <a:alpha val="100000"/>
+                  </a:schemeClr>
+                </a:solidFill>
+                <a:latin typeface="+mn-ea"/>
+                <a:ea typeface="+mn-ea"/>
+              </a:rPr>
+              <a:t> </a:t>
+            </a:r>
+            <a:r>
+              <a:rPr altLang="ko-KR" sz="2800" dirty="0" err="1">
+                <a:solidFill>
+                  <a:schemeClr val="bg1">
+                    <a:alpha val="100000"/>
+                  </a:schemeClr>
+                </a:solidFill>
+                <a:latin typeface="+mn-ea"/>
+                <a:ea typeface="+mn-ea"/>
+              </a:rPr>
+              <a:t>만들</a:t>
+            </a:r>
+            <a:r>
+              <a:rPr altLang="ko-KR" sz="2800" dirty="0">
+                <a:solidFill>
+                  <a:schemeClr val="bg1">
+                    <a:alpha val="100000"/>
+                  </a:schemeClr>
+                </a:solidFill>
+                <a:latin typeface="+mn-ea"/>
+                <a:ea typeface="+mn-ea"/>
+              </a:rPr>
+              <a:t> 수 </a:t>
+            </a:r>
+            <a:r>
+              <a:rPr altLang="ko-KR" sz="2800" dirty="0" err="1">
+                <a:solidFill>
+                  <a:schemeClr val="bg1">
+                    <a:alpha val="100000"/>
+                  </a:schemeClr>
+                </a:solidFill>
+                <a:latin typeface="+mn-ea"/>
+                <a:ea typeface="+mn-ea"/>
+              </a:rPr>
+              <a:t>있다는</a:t>
+            </a:r>
+            <a:r>
+              <a:rPr altLang="ko-KR" sz="2800" dirty="0">
+                <a:solidFill>
+                  <a:schemeClr val="bg1">
+                    <a:alpha val="100000"/>
+                  </a:schemeClr>
+                </a:solidFill>
+                <a:latin typeface="+mn-ea"/>
+                <a:ea typeface="+mn-ea"/>
+              </a:rPr>
+              <a:t> </a:t>
+            </a:r>
+            <a:r>
+              <a:rPr altLang="ko-KR" sz="2800" dirty="0" err="1">
+                <a:solidFill>
+                  <a:schemeClr val="bg1">
+                    <a:alpha val="100000"/>
+                  </a:schemeClr>
+                </a:solidFill>
+                <a:latin typeface="+mn-ea"/>
+                <a:ea typeface="+mn-ea"/>
+              </a:rPr>
+              <a:t>것을</a:t>
+            </a:r>
+            <a:r>
+              <a:rPr altLang="ko-KR" sz="2800" dirty="0">
+                <a:solidFill>
+                  <a:schemeClr val="bg1">
+                    <a:alpha val="100000"/>
+                  </a:schemeClr>
+                </a:solidFill>
+                <a:latin typeface="+mn-ea"/>
+                <a:ea typeface="+mn-ea"/>
+              </a:rPr>
+              <a:t> </a:t>
+            </a:r>
+            <a:r>
+              <a:rPr altLang="ko-KR" sz="2800" dirty="0" err="1">
+                <a:solidFill>
+                  <a:schemeClr val="bg1">
+                    <a:alpha val="100000"/>
+                  </a:schemeClr>
+                </a:solidFill>
+                <a:latin typeface="+mn-ea"/>
+                <a:ea typeface="+mn-ea"/>
+              </a:rPr>
+              <a:t>보여주기</a:t>
+            </a:r>
+            <a:r>
+              <a:rPr altLang="ko-KR" sz="2800" dirty="0">
+                <a:solidFill>
+                  <a:schemeClr val="bg1">
+                    <a:alpha val="100000"/>
+                  </a:schemeClr>
+                </a:solidFill>
+                <a:latin typeface="+mn-ea"/>
+                <a:ea typeface="+mn-ea"/>
+              </a:rPr>
+              <a:t> </a:t>
+            </a:r>
+            <a:r>
+              <a:rPr altLang="ko-KR" sz="2800" dirty="0" err="1">
+                <a:solidFill>
+                  <a:schemeClr val="bg1">
+                    <a:alpha val="100000"/>
+                  </a:schemeClr>
+                </a:solidFill>
+                <a:latin typeface="+mn-ea"/>
+                <a:ea typeface="+mn-ea"/>
+              </a:rPr>
+              <a:t>위함</a:t>
+            </a:r>
+            <a:r>
+              <a:rPr altLang="ko-KR" sz="2800" dirty="0" smtClean="0">
+                <a:solidFill>
+                  <a:schemeClr val="bg1">
+                    <a:alpha val="100000"/>
+                  </a:schemeClr>
+                </a:solidFill>
+                <a:latin typeface="+mn-ea"/>
+                <a:ea typeface="+mn-ea"/>
+              </a:rPr>
+              <a:t>.</a:t>
+            </a:r>
+            <a:endParaRPr altLang="ko-KR" sz="2800" dirty="0">
               <a:solidFill>
                 <a:schemeClr val="bg1">
                   <a:alpha val="100000"/>
@@ -5485,17 +5937,74 @@
               <a:buNone/>
             </a:pPr>
             <a:r>
-              <a:rPr altLang="ko-KR" sz="3200" u="sng">
-                <a:solidFill>
-                  <a:schemeClr val="bg1">
-                    <a:alpha val="100000"/>
-                  </a:schemeClr>
-                </a:solidFill>
-                <a:latin typeface="+mn-ea"/>
-                <a:ea typeface="+mn-ea"/>
-              </a:rPr>
-              <a:t>게임 디자인 동기</a:t>
-            </a:r>
+              <a:rPr altLang="ko-KR" sz="3200" u="sng" dirty="0" err="1">
+                <a:solidFill>
+                  <a:schemeClr val="bg1">
+                    <a:alpha val="100000"/>
+                  </a:schemeClr>
+                </a:solidFill>
+                <a:latin typeface="+mn-ea"/>
+                <a:ea typeface="+mn-ea"/>
+              </a:rPr>
+              <a:t>게임</a:t>
+            </a:r>
+            <a:r>
+              <a:rPr altLang="ko-KR" sz="3200" u="sng" dirty="0">
+                <a:solidFill>
+                  <a:schemeClr val="bg1">
+                    <a:alpha val="100000"/>
+                  </a:schemeClr>
+                </a:solidFill>
+                <a:latin typeface="+mn-ea"/>
+                <a:ea typeface="+mn-ea"/>
+              </a:rPr>
+              <a:t> </a:t>
+            </a:r>
+            <a:r>
+              <a:rPr altLang="ko-KR" sz="3200" u="sng" dirty="0" err="1">
+                <a:solidFill>
+                  <a:schemeClr val="bg1">
+                    <a:alpha val="100000"/>
+                  </a:schemeClr>
+                </a:solidFill>
+                <a:latin typeface="+mn-ea"/>
+                <a:ea typeface="+mn-ea"/>
+              </a:rPr>
+              <a:t>디자인</a:t>
+            </a:r>
+            <a:r>
+              <a:rPr altLang="ko-KR" sz="3200" u="sng" dirty="0">
+                <a:solidFill>
+                  <a:schemeClr val="bg1">
+                    <a:alpha val="100000"/>
+                  </a:schemeClr>
+                </a:solidFill>
+                <a:latin typeface="+mn-ea"/>
+                <a:ea typeface="+mn-ea"/>
+              </a:rPr>
+              <a:t> </a:t>
+            </a:r>
+            <a:r>
+              <a:rPr altLang="ko-KR" sz="3200" u="sng" dirty="0" err="1">
+                <a:solidFill>
+                  <a:schemeClr val="bg1">
+                    <a:alpha val="100000"/>
+                  </a:schemeClr>
+                </a:solidFill>
+                <a:latin typeface="+mn-ea"/>
+                <a:ea typeface="+mn-ea"/>
+              </a:rPr>
+              <a:t>동기</a:t>
+            </a:r>
+            <a:endParaRPr altLang="ko-KR" sz="3200" u="sng" dirty="0">
+              <a:solidFill>
+                <a:schemeClr val="bg1">
+                  <a:alpha val="100000"/>
+                </a:schemeClr>
+              </a:solidFill>
+              <a:latin typeface="+mn-ea"/>
+              <a:ea typeface="+mn-ea"/>
+            </a:endParaRPr>
           </a:p>
           <a:p>
             <a:pPr marL="0" lvl="0" algn="l">
@@ -5506,16 +6015,220 @@
               <a:buChar char="•"/>
             </a:pPr>
             <a:r>
-              <a:rPr altLang="ko-KR" sz="2800">
-                <a:solidFill>
-                  <a:schemeClr val="bg1">
-                    <a:alpha val="100000"/>
-                  </a:schemeClr>
-                </a:solidFill>
-                <a:latin typeface="+mn-ea"/>
-                <a:ea typeface="+mn-ea"/>
-              </a:rPr>
-              <a:t>슈퍼 마리오와 쿠키런에서 영감을 얻어 둘을 조합한 게임을 만들고자 함.</a:t>
+              <a:rPr altLang="ko-KR" sz="2800" dirty="0" err="1">
+                <a:solidFill>
+                  <a:schemeClr val="bg1">
+                    <a:alpha val="100000"/>
+                  </a:schemeClr>
+                </a:solidFill>
+                <a:latin typeface="+mn-ea"/>
+                <a:ea typeface="+mn-ea"/>
+              </a:rPr>
+              <a:t>슈퍼</a:t>
+            </a:r>
+            <a:r>
+              <a:rPr altLang="ko-KR" sz="2800" dirty="0">
+                <a:solidFill>
+                  <a:schemeClr val="bg1">
+                    <a:alpha val="100000"/>
+                  </a:schemeClr>
+                </a:solidFill>
+                <a:latin typeface="+mn-ea"/>
+                <a:ea typeface="+mn-ea"/>
+              </a:rPr>
+              <a:t> </a:t>
+            </a:r>
+            <a:r>
+              <a:rPr altLang="ko-KR" sz="2800" dirty="0" err="1">
+                <a:solidFill>
+                  <a:schemeClr val="bg1">
+                    <a:alpha val="100000"/>
+                  </a:schemeClr>
+                </a:solidFill>
+                <a:latin typeface="+mn-ea"/>
+                <a:ea typeface="+mn-ea"/>
+              </a:rPr>
+              <a:t>마리오와</a:t>
+            </a:r>
+            <a:r>
+              <a:rPr altLang="ko-KR" sz="2800" dirty="0">
+                <a:solidFill>
+                  <a:schemeClr val="bg1">
+                    <a:alpha val="100000"/>
+                  </a:schemeClr>
+                </a:solidFill>
+                <a:latin typeface="+mn-ea"/>
+                <a:ea typeface="+mn-ea"/>
+              </a:rPr>
+              <a:t> </a:t>
+            </a:r>
+            <a:r>
+              <a:rPr altLang="ko-KR" sz="2800" dirty="0" err="1">
+                <a:solidFill>
+                  <a:schemeClr val="bg1">
+                    <a:alpha val="100000"/>
+                  </a:schemeClr>
+                </a:solidFill>
+                <a:latin typeface="+mn-ea"/>
+                <a:ea typeface="+mn-ea"/>
+              </a:rPr>
+              <a:t>쿠키런에서</a:t>
+            </a:r>
+            <a:r>
+              <a:rPr altLang="ko-KR" sz="2800" dirty="0">
+                <a:solidFill>
+                  <a:schemeClr val="bg1">
+                    <a:alpha val="100000"/>
+                  </a:schemeClr>
+                </a:solidFill>
+                <a:latin typeface="+mn-ea"/>
+                <a:ea typeface="+mn-ea"/>
+              </a:rPr>
+              <a:t> </a:t>
+            </a:r>
+            <a:r>
+              <a:rPr altLang="ko-KR" sz="2800" dirty="0" err="1">
+                <a:solidFill>
+                  <a:schemeClr val="bg1">
+                    <a:alpha val="100000"/>
+                  </a:schemeClr>
+                </a:solidFill>
+                <a:latin typeface="+mn-ea"/>
+                <a:ea typeface="+mn-ea"/>
+              </a:rPr>
+              <a:t>영감을</a:t>
+            </a:r>
+            <a:r>
+              <a:rPr altLang="ko-KR" sz="2800" dirty="0">
+                <a:solidFill>
+                  <a:schemeClr val="bg1">
+                    <a:alpha val="100000"/>
+                  </a:schemeClr>
+                </a:solidFill>
+                <a:latin typeface="+mn-ea"/>
+                <a:ea typeface="+mn-ea"/>
+              </a:rPr>
+              <a:t> </a:t>
+            </a:r>
+            <a:r>
+              <a:rPr altLang="ko-KR" sz="2800" dirty="0" err="1">
+                <a:solidFill>
+                  <a:schemeClr val="bg1">
+                    <a:alpha val="100000"/>
+                  </a:schemeClr>
+                </a:solidFill>
+                <a:latin typeface="+mn-ea"/>
+                <a:ea typeface="+mn-ea"/>
+              </a:rPr>
+              <a:t>얻어</a:t>
+            </a:r>
+            <a:r>
+              <a:rPr altLang="ko-KR" sz="2800" dirty="0">
+                <a:solidFill>
+                  <a:schemeClr val="bg1">
+                    <a:alpha val="100000"/>
+                  </a:schemeClr>
+                </a:solidFill>
+                <a:latin typeface="+mn-ea"/>
+                <a:ea typeface="+mn-ea"/>
+              </a:rPr>
+              <a:t> </a:t>
+            </a:r>
+            <a:r>
+              <a:rPr altLang="ko-KR" sz="2800" dirty="0" err="1">
+                <a:solidFill>
+                  <a:schemeClr val="bg1">
+                    <a:alpha val="100000"/>
+                  </a:schemeClr>
+                </a:solidFill>
+                <a:latin typeface="+mn-ea"/>
+                <a:ea typeface="+mn-ea"/>
+              </a:rPr>
+              <a:t>둘을</a:t>
+            </a:r>
+            <a:r>
+              <a:rPr altLang="ko-KR" sz="2800" dirty="0">
+                <a:solidFill>
+                  <a:schemeClr val="bg1">
+                    <a:alpha val="100000"/>
+                  </a:schemeClr>
+                </a:solidFill>
+                <a:latin typeface="+mn-ea"/>
+                <a:ea typeface="+mn-ea"/>
+              </a:rPr>
+              <a:t> </a:t>
+            </a:r>
+            <a:r>
+              <a:rPr altLang="ko-KR" sz="2800" dirty="0" err="1">
+                <a:solidFill>
+                  <a:schemeClr val="bg1">
+                    <a:alpha val="100000"/>
+                  </a:schemeClr>
+                </a:solidFill>
+                <a:latin typeface="+mn-ea"/>
+                <a:ea typeface="+mn-ea"/>
+              </a:rPr>
+              <a:t>조합한</a:t>
+            </a:r>
+            <a:r>
+              <a:rPr altLang="ko-KR" sz="2800" dirty="0">
+                <a:solidFill>
+                  <a:schemeClr val="bg1">
+                    <a:alpha val="100000"/>
+                  </a:schemeClr>
+                </a:solidFill>
+                <a:latin typeface="+mn-ea"/>
+                <a:ea typeface="+mn-ea"/>
+              </a:rPr>
+              <a:t> </a:t>
+            </a:r>
+            <a:r>
+              <a:rPr altLang="ko-KR" sz="2800" dirty="0" err="1">
+                <a:solidFill>
+                  <a:schemeClr val="bg1">
+                    <a:alpha val="100000"/>
+                  </a:schemeClr>
+                </a:solidFill>
+                <a:latin typeface="+mn-ea"/>
+                <a:ea typeface="+mn-ea"/>
+              </a:rPr>
+              <a:t>게임을</a:t>
+            </a:r>
+            <a:r>
+              <a:rPr altLang="ko-KR" sz="2800" dirty="0">
+                <a:solidFill>
+                  <a:schemeClr val="bg1">
+                    <a:alpha val="100000"/>
+                  </a:schemeClr>
+                </a:solidFill>
+                <a:latin typeface="+mn-ea"/>
+                <a:ea typeface="+mn-ea"/>
+              </a:rPr>
+              <a:t> </a:t>
+            </a:r>
+            <a:r>
+              <a:rPr altLang="ko-KR" sz="2800" dirty="0" err="1">
+                <a:solidFill>
+                  <a:schemeClr val="bg1">
+                    <a:alpha val="100000"/>
+                  </a:schemeClr>
+                </a:solidFill>
+                <a:latin typeface="+mn-ea"/>
+                <a:ea typeface="+mn-ea"/>
+              </a:rPr>
+              <a:t>만들고자</a:t>
+            </a:r>
+            <a:r>
+              <a:rPr altLang="ko-KR" sz="2800" dirty="0">
+                <a:solidFill>
+                  <a:schemeClr val="bg1">
+                    <a:alpha val="100000"/>
+                  </a:schemeClr>
+                </a:solidFill>
+                <a:latin typeface="+mn-ea"/>
+                <a:ea typeface="+mn-ea"/>
+              </a:rPr>
+              <a:t> 함.</a:t>
             </a:r>
           </a:p>
           <a:p>
@@ -5527,16 +6240,244 @@
               <a:buChar char="•"/>
             </a:pPr>
             <a:r>
-              <a:rPr altLang="ko-KR" sz="2800">
-                <a:solidFill>
-                  <a:schemeClr val="bg1">
-                    <a:alpha val="100000"/>
-                  </a:schemeClr>
-                </a:solidFill>
-                <a:latin typeface="+mn-ea"/>
-                <a:ea typeface="+mn-ea"/>
-              </a:rPr>
-              <a:t>난이도 있는 게임을 추구 하다보니 복잡한 조작의 게임을 만들 예정.</a:t>
+              <a:rPr altLang="ko-KR" sz="2800" dirty="0" err="1">
+                <a:solidFill>
+                  <a:schemeClr val="bg1">
+                    <a:alpha val="100000"/>
+                  </a:schemeClr>
+                </a:solidFill>
+                <a:latin typeface="+mn-ea"/>
+                <a:ea typeface="+mn-ea"/>
+              </a:rPr>
+              <a:t>난이도</a:t>
+            </a:r>
+            <a:r>
+              <a:rPr altLang="ko-KR" sz="2800" dirty="0">
+                <a:solidFill>
+                  <a:schemeClr val="bg1">
+                    <a:alpha val="100000"/>
+                  </a:schemeClr>
+                </a:solidFill>
+                <a:latin typeface="+mn-ea"/>
+                <a:ea typeface="+mn-ea"/>
+              </a:rPr>
+              <a:t> </a:t>
+            </a:r>
+            <a:r>
+              <a:rPr altLang="ko-KR" sz="2800" dirty="0" err="1">
+                <a:solidFill>
+                  <a:schemeClr val="bg1">
+                    <a:alpha val="100000"/>
+                  </a:schemeClr>
+                </a:solidFill>
+                <a:latin typeface="+mn-ea"/>
+                <a:ea typeface="+mn-ea"/>
+              </a:rPr>
+              <a:t>있는</a:t>
+            </a:r>
+            <a:r>
+              <a:rPr altLang="ko-KR" sz="2800" dirty="0">
+                <a:solidFill>
+                  <a:schemeClr val="bg1">
+                    <a:alpha val="100000"/>
+                  </a:schemeClr>
+                </a:solidFill>
+                <a:latin typeface="+mn-ea"/>
+                <a:ea typeface="+mn-ea"/>
+              </a:rPr>
+              <a:t> </a:t>
+            </a:r>
+            <a:r>
+              <a:rPr altLang="ko-KR" sz="2800" dirty="0" err="1">
+                <a:solidFill>
+                  <a:schemeClr val="bg1">
+                    <a:alpha val="100000"/>
+                  </a:schemeClr>
+                </a:solidFill>
+                <a:latin typeface="+mn-ea"/>
+                <a:ea typeface="+mn-ea"/>
+              </a:rPr>
+              <a:t>게임을</a:t>
+            </a:r>
+            <a:r>
+              <a:rPr altLang="ko-KR" sz="2800" dirty="0">
+                <a:solidFill>
+                  <a:schemeClr val="bg1">
+                    <a:alpha val="100000"/>
+                  </a:schemeClr>
+                </a:solidFill>
+                <a:latin typeface="+mn-ea"/>
+                <a:ea typeface="+mn-ea"/>
+              </a:rPr>
+              <a:t> </a:t>
+            </a:r>
+            <a:r>
+              <a:rPr altLang="ko-KR" sz="2800" dirty="0" err="1">
+                <a:solidFill>
+                  <a:schemeClr val="bg1">
+                    <a:alpha val="100000"/>
+                  </a:schemeClr>
+                </a:solidFill>
+                <a:latin typeface="+mn-ea"/>
+                <a:ea typeface="+mn-ea"/>
+              </a:rPr>
+              <a:t>추구</a:t>
+            </a:r>
+            <a:r>
+              <a:rPr altLang="ko-KR" sz="2800" dirty="0">
+                <a:solidFill>
+                  <a:schemeClr val="bg1">
+                    <a:alpha val="100000"/>
+                  </a:schemeClr>
+                </a:solidFill>
+                <a:latin typeface="+mn-ea"/>
+                <a:ea typeface="+mn-ea"/>
+              </a:rPr>
+              <a:t> </a:t>
+            </a:r>
+            <a:r>
+              <a:rPr altLang="ko-KR" sz="2800" dirty="0" err="1">
+                <a:solidFill>
+                  <a:schemeClr val="bg1">
+                    <a:alpha val="100000"/>
+                  </a:schemeClr>
+                </a:solidFill>
+                <a:latin typeface="+mn-ea"/>
+                <a:ea typeface="+mn-ea"/>
+              </a:rPr>
+              <a:t>하다보니</a:t>
+            </a:r>
+            <a:r>
+              <a:rPr altLang="ko-KR" sz="2800" dirty="0">
+                <a:solidFill>
+                  <a:schemeClr val="bg1">
+                    <a:alpha val="100000"/>
+                  </a:schemeClr>
+                </a:solidFill>
+                <a:latin typeface="+mn-ea"/>
+                <a:ea typeface="+mn-ea"/>
+              </a:rPr>
+              <a:t> </a:t>
+            </a:r>
+            <a:r>
+              <a:rPr altLang="ko-KR" sz="2800" dirty="0" err="1">
+                <a:solidFill>
+                  <a:schemeClr val="bg1">
+                    <a:alpha val="100000"/>
+                  </a:schemeClr>
+                </a:solidFill>
+                <a:latin typeface="+mn-ea"/>
+                <a:ea typeface="+mn-ea"/>
+              </a:rPr>
+              <a:t>복잡한</a:t>
+            </a:r>
+            <a:r>
+              <a:rPr altLang="ko-KR" sz="2800" dirty="0">
+                <a:solidFill>
+                  <a:schemeClr val="bg1">
+                    <a:alpha val="100000"/>
+                  </a:schemeClr>
+                </a:solidFill>
+                <a:latin typeface="+mn-ea"/>
+                <a:ea typeface="+mn-ea"/>
+              </a:rPr>
+              <a:t> </a:t>
+            </a:r>
+            <a:r>
+              <a:rPr altLang="ko-KR" sz="2800" dirty="0" err="1">
+                <a:solidFill>
+                  <a:schemeClr val="bg1">
+                    <a:alpha val="100000"/>
+                  </a:schemeClr>
+                </a:solidFill>
+                <a:latin typeface="+mn-ea"/>
+                <a:ea typeface="+mn-ea"/>
+              </a:rPr>
+              <a:t>조작의</a:t>
+            </a:r>
+            <a:r>
+              <a:rPr altLang="ko-KR" sz="2800" dirty="0">
+                <a:solidFill>
+                  <a:schemeClr val="bg1">
+                    <a:alpha val="100000"/>
+                  </a:schemeClr>
+                </a:solidFill>
+                <a:latin typeface="+mn-ea"/>
+                <a:ea typeface="+mn-ea"/>
+              </a:rPr>
+              <a:t> </a:t>
+            </a:r>
+            <a:r>
+              <a:rPr altLang="ko-KR" sz="2800" dirty="0" err="1">
+                <a:solidFill>
+                  <a:schemeClr val="bg1">
+                    <a:alpha val="100000"/>
+                  </a:schemeClr>
+                </a:solidFill>
+                <a:latin typeface="+mn-ea"/>
+                <a:ea typeface="+mn-ea"/>
+              </a:rPr>
+              <a:t>게임을</a:t>
+            </a:r>
+            <a:r>
+              <a:rPr altLang="ko-KR" sz="2800" dirty="0">
+                <a:solidFill>
+                  <a:schemeClr val="bg1">
+                    <a:alpha val="100000"/>
+                  </a:schemeClr>
+                </a:solidFill>
+                <a:latin typeface="+mn-ea"/>
+                <a:ea typeface="+mn-ea"/>
+              </a:rPr>
+              <a:t> </a:t>
+            </a:r>
+            <a:r>
+              <a:rPr altLang="ko-KR" sz="2800" dirty="0" err="1">
+                <a:solidFill>
+                  <a:schemeClr val="bg1">
+                    <a:alpha val="100000"/>
+                  </a:schemeClr>
+                </a:solidFill>
+                <a:latin typeface="+mn-ea"/>
+                <a:ea typeface="+mn-ea"/>
+              </a:rPr>
+              <a:t>만들</a:t>
+            </a:r>
+            <a:r>
+              <a:rPr altLang="ko-KR" sz="2800" dirty="0">
+                <a:solidFill>
+                  <a:schemeClr val="bg1">
+                    <a:alpha val="100000"/>
+                  </a:schemeClr>
+                </a:solidFill>
+                <a:latin typeface="+mn-ea"/>
+                <a:ea typeface="+mn-ea"/>
+              </a:rPr>
+              <a:t> </a:t>
+            </a:r>
+            <a:r>
+              <a:rPr altLang="ko-KR" sz="2800" dirty="0" err="1">
+                <a:solidFill>
+                  <a:schemeClr val="bg1">
+                    <a:alpha val="100000"/>
+                  </a:schemeClr>
+                </a:solidFill>
+                <a:latin typeface="+mn-ea"/>
+                <a:ea typeface="+mn-ea"/>
+              </a:rPr>
+              <a:t>예정</a:t>
+            </a:r>
+            <a:r>
+              <a:rPr altLang="ko-KR" sz="2800" dirty="0">
+                <a:solidFill>
+                  <a:schemeClr val="bg1">
+                    <a:alpha val="100000"/>
+                  </a:schemeClr>
+                </a:solidFill>
+                <a:latin typeface="+mn-ea"/>
+                <a:ea typeface="+mn-ea"/>
+              </a:rPr>
+              <a:t>.</a:t>
             </a:r>
           </a:p>
           <a:p>
@@ -5546,7 +6487,7 @@
               </a:lnSpc>
               <a:buNone/>
             </a:pPr>
-            <a:endParaRPr altLang="ko-KR" sz="2800">
+            <a:endParaRPr altLang="ko-KR" sz="2800" dirty="0">
               <a:solidFill>
                 <a:schemeClr val="bg1">
                   <a:alpha val="100000"/>
@@ -5563,7 +6504,7 @@
               </a:lnSpc>
               <a:buNone/>
             </a:pPr>
-            <a:endParaRPr altLang="ko-KR" sz="2800">
+            <a:endParaRPr altLang="ko-KR" sz="2800" dirty="0">
               <a:solidFill>
                 <a:schemeClr val="bg1">
                   <a:alpha val="100000"/>
@@ -5625,6 +6566,13 @@
   <p:clrMapOvr>
     <a:masterClrMapping/>
   </p:clrMapOvr>
+  <p:timing>
+    <p:tnLst>
+      <p:par>
+        <p:cTn id="1" dur="indefinite" restart="never" nodeType="tmRoot"/>
+      </p:par>
+    </p:tnLst>
+  </p:timing>
 </p:sld>
 </file>
 
@@ -5742,16 +6690,52 @@
               <a:buNone/>
             </a:pPr>
             <a:r>
-              <a:rPr altLang="ko-KR" sz="3200">
-                <a:solidFill>
-                  <a:schemeClr val="bg1">
-                    <a:alpha val="100000"/>
-                  </a:schemeClr>
-                </a:solidFill>
-                <a:latin typeface="+mn-ea"/>
-                <a:ea typeface="+mn-ea"/>
-              </a:rPr>
-              <a:t>사용 언어 : Python3 ( 3.6.1)</a:t>
+              <a:rPr altLang="ko-KR" sz="3200" dirty="0" err="1">
+                <a:solidFill>
+                  <a:schemeClr val="bg1">
+                    <a:alpha val="100000"/>
+                  </a:schemeClr>
+                </a:solidFill>
+                <a:latin typeface="+mn-ea"/>
+                <a:ea typeface="+mn-ea"/>
+              </a:rPr>
+              <a:t>사용</a:t>
+            </a:r>
+            <a:r>
+              <a:rPr altLang="ko-KR" sz="3200" dirty="0">
+                <a:solidFill>
+                  <a:schemeClr val="bg1">
+                    <a:alpha val="100000"/>
+                  </a:schemeClr>
+                </a:solidFill>
+                <a:latin typeface="+mn-ea"/>
+                <a:ea typeface="+mn-ea"/>
+              </a:rPr>
+              <a:t> </a:t>
+            </a:r>
+            <a:r>
+              <a:rPr altLang="ko-KR" sz="3200" dirty="0" err="1">
+                <a:solidFill>
+                  <a:schemeClr val="bg1">
+                    <a:alpha val="100000"/>
+                  </a:schemeClr>
+                </a:solidFill>
+                <a:latin typeface="+mn-ea"/>
+                <a:ea typeface="+mn-ea"/>
+              </a:rPr>
+              <a:t>언어</a:t>
+            </a:r>
+            <a:r>
+              <a:rPr altLang="ko-KR" sz="3200" dirty="0">
+                <a:solidFill>
+                  <a:schemeClr val="bg1">
+                    <a:alpha val="100000"/>
+                  </a:schemeClr>
+                </a:solidFill>
+                <a:latin typeface="+mn-ea"/>
+                <a:ea typeface="+mn-ea"/>
+              </a:rPr>
+              <a:t> : Python3 ( 3.6.1)</a:t>
             </a:r>
           </a:p>
           <a:p>
@@ -5762,17 +6746,110 @@
               <a:buNone/>
             </a:pPr>
             <a:r>
-              <a:rPr altLang="ko-KR" sz="3200">
-                <a:solidFill>
-                  <a:schemeClr val="bg1">
-                    <a:alpha val="100000"/>
-                  </a:schemeClr>
-                </a:solidFill>
-                <a:latin typeface="+mn-ea"/>
-                <a:ea typeface="+mn-ea"/>
-              </a:rPr>
-              <a:t>사용 라이브러리(API) : python-pygame(1.9.3)</a:t>
-            </a:r>
+              <a:rPr altLang="ko-KR" sz="3200" dirty="0" err="1">
+                <a:solidFill>
+                  <a:schemeClr val="bg1">
+                    <a:alpha val="100000"/>
+                  </a:schemeClr>
+                </a:solidFill>
+                <a:latin typeface="+mn-ea"/>
+                <a:ea typeface="+mn-ea"/>
+              </a:rPr>
+              <a:t>사용</a:t>
+            </a:r>
+            <a:r>
+              <a:rPr altLang="ko-KR" sz="3200" dirty="0">
+                <a:solidFill>
+                  <a:schemeClr val="bg1">
+                    <a:alpha val="100000"/>
+                  </a:schemeClr>
+                </a:solidFill>
+                <a:latin typeface="+mn-ea"/>
+                <a:ea typeface="+mn-ea"/>
+              </a:rPr>
+              <a:t> </a:t>
+            </a:r>
+            <a:r>
+              <a:rPr altLang="ko-KR" sz="3200" dirty="0" err="1">
+                <a:solidFill>
+                  <a:schemeClr val="bg1">
+                    <a:alpha val="100000"/>
+                  </a:schemeClr>
+                </a:solidFill>
+                <a:latin typeface="+mn-ea"/>
+                <a:ea typeface="+mn-ea"/>
+              </a:rPr>
+              <a:t>라이브러리</a:t>
+            </a:r>
+            <a:r>
+              <a:rPr altLang="ko-KR" sz="3200" dirty="0">
+                <a:solidFill>
+                  <a:schemeClr val="bg1">
+                    <a:alpha val="100000"/>
+                  </a:schemeClr>
+                </a:solidFill>
+                <a:latin typeface="+mn-ea"/>
+                <a:ea typeface="+mn-ea"/>
+              </a:rPr>
+              <a:t>(API) : python-</a:t>
+            </a:r>
+            <a:r>
+              <a:rPr altLang="ko-KR" sz="3200" dirty="0" err="1">
+                <a:solidFill>
+                  <a:schemeClr val="bg1">
+                    <a:alpha val="100000"/>
+                  </a:schemeClr>
+                </a:solidFill>
+                <a:latin typeface="+mn-ea"/>
+                <a:ea typeface="+mn-ea"/>
+              </a:rPr>
+              <a:t>pygame</a:t>
+            </a:r>
+            <a:r>
+              <a:rPr altLang="ko-KR" sz="3200" dirty="0">
+                <a:solidFill>
+                  <a:schemeClr val="bg1">
+                    <a:alpha val="100000"/>
+                  </a:schemeClr>
+                </a:solidFill>
+                <a:latin typeface="+mn-ea"/>
+                <a:ea typeface="+mn-ea"/>
+              </a:rPr>
+              <a:t>(1.9.3</a:t>
+            </a:r>
+            <a:r>
+              <a:rPr altLang="ko-KR" sz="3200" dirty="0" smtClean="0">
+                <a:solidFill>
+                  <a:schemeClr val="bg1">
+                    <a:alpha val="100000"/>
+                  </a:schemeClr>
+                </a:solidFill>
+                <a:latin typeface="+mn-ea"/>
+                <a:ea typeface="+mn-ea"/>
+              </a:rPr>
+              <a:t>)</a:t>
+            </a:r>
+            <a:r>
+              <a:rPr lang="en-US" altLang="ko-KR" sz="3200" dirty="0" smtClean="0">
+                <a:solidFill>
+                  <a:schemeClr val="bg1">
+                    <a:alpha val="100000"/>
+                  </a:schemeClr>
+                </a:solidFill>
+                <a:latin typeface="+mn-ea"/>
+                <a:ea typeface="+mn-ea"/>
+              </a:rPr>
+              <a:t>, Django(1.11)</a:t>
+            </a:r>
+            <a:endParaRPr altLang="ko-KR" sz="3200" dirty="0">
+              <a:solidFill>
+                <a:schemeClr val="bg1">
+                  <a:alpha val="100000"/>
+                </a:schemeClr>
+              </a:solidFill>
+              <a:latin typeface="+mn-ea"/>
+              <a:ea typeface="+mn-ea"/>
+            </a:endParaRPr>
           </a:p>
           <a:p>
             <a:pPr marL="0" algn="l">
@@ -5782,16 +6859,52 @@
               <a:buNone/>
             </a:pPr>
             <a:r>
-              <a:rPr altLang="ko-KR" sz="3200">
-                <a:solidFill>
-                  <a:schemeClr val="bg1">
-                    <a:alpha val="100000"/>
-                  </a:schemeClr>
-                </a:solidFill>
-                <a:latin typeface="+mn-ea"/>
-                <a:ea typeface="+mn-ea"/>
-              </a:rPr>
-              <a:t>사용 IDE : pycharm, Atom(Editor)</a:t>
+              <a:rPr altLang="ko-KR" sz="3200" dirty="0" err="1">
+                <a:solidFill>
+                  <a:schemeClr val="bg1">
+                    <a:alpha val="100000"/>
+                  </a:schemeClr>
+                </a:solidFill>
+                <a:latin typeface="+mn-ea"/>
+                <a:ea typeface="+mn-ea"/>
+              </a:rPr>
+              <a:t>사용</a:t>
+            </a:r>
+            <a:r>
+              <a:rPr altLang="ko-KR" sz="3200" dirty="0">
+                <a:solidFill>
+                  <a:schemeClr val="bg1">
+                    <a:alpha val="100000"/>
+                  </a:schemeClr>
+                </a:solidFill>
+                <a:latin typeface="+mn-ea"/>
+                <a:ea typeface="+mn-ea"/>
+              </a:rPr>
+              <a:t> IDE : </a:t>
+            </a:r>
+            <a:r>
+              <a:rPr altLang="ko-KR" sz="3200" dirty="0" err="1">
+                <a:solidFill>
+                  <a:schemeClr val="bg1">
+                    <a:alpha val="100000"/>
+                  </a:schemeClr>
+                </a:solidFill>
+                <a:latin typeface="+mn-ea"/>
+                <a:ea typeface="+mn-ea"/>
+              </a:rPr>
+              <a:t>pycharm</a:t>
+            </a:r>
+            <a:r>
+              <a:rPr altLang="ko-KR" sz="3200" dirty="0">
+                <a:solidFill>
+                  <a:schemeClr val="bg1">
+                    <a:alpha val="100000"/>
+                  </a:schemeClr>
+                </a:solidFill>
+                <a:latin typeface="+mn-ea"/>
+                <a:ea typeface="+mn-ea"/>
+              </a:rPr>
+              <a:t>, Atom(Editor)</a:t>
             </a:r>
           </a:p>
         </p:txBody>
@@ -5844,6 +6957,13 @@
   <p:clrMapOvr>
     <a:masterClrMapping/>
   </p:clrMapOvr>
+  <p:timing>
+    <p:tnLst>
+      <p:par>
+        <p:cTn id="1" dur="indefinite" restart="never" nodeType="tmRoot"/>
+      </p:par>
+    </p:tnLst>
+  </p:timing>
 </p:sld>
 </file>
 
@@ -6002,6 +7122,13 @@
   <p:clrMapOvr>
     <a:masterClrMapping/>
   </p:clrMapOvr>
+  <p:timing>
+    <p:tnLst>
+      <p:par>
+        <p:cTn id="1" dur="indefinite" restart="never" nodeType="tmRoot"/>
+      </p:par>
+    </p:tnLst>
+  </p:timing>
 </p:sld>
 </file>
 
@@ -6873,64 +8000,90 @@
               <a:buChar char="•"/>
             </a:pPr>
             <a:r>
-              <a:rPr lang="ko-KR" altLang="en-US" sz="4000" dirty="0">
-                <a:solidFill>
-                  <a:schemeClr val="bg1">
-                    <a:alpha val="100000"/>
-                  </a:schemeClr>
-                </a:solidFill>
-                <a:latin typeface="+mn-ea"/>
-                <a:ea typeface="+mn-ea"/>
-              </a:rPr>
-              <a:t>이동에 따른 카메라</a:t>
-            </a:r>
-            <a:r>
-              <a:rPr lang="en-US" altLang="ko-KR" sz="4000" dirty="0">
-                <a:solidFill>
-                  <a:schemeClr val="bg1">
-                    <a:alpha val="100000"/>
-                  </a:schemeClr>
-                </a:solidFill>
-                <a:latin typeface="+mn-ea"/>
-                <a:ea typeface="+mn-ea"/>
-              </a:rPr>
-              <a:t>(</a:t>
-            </a:r>
-            <a:r>
-              <a:rPr lang="ko-KR" altLang="en-US" sz="4000" dirty="0">
-                <a:solidFill>
-                  <a:schemeClr val="bg1">
-                    <a:alpha val="100000"/>
-                  </a:schemeClr>
-                </a:solidFill>
-                <a:latin typeface="+mn-ea"/>
-                <a:ea typeface="+mn-ea"/>
-              </a:rPr>
-              <a:t>화면</a:t>
-            </a:r>
-            <a:r>
-              <a:rPr lang="en-US" altLang="ko-KR" sz="4000" dirty="0">
-                <a:solidFill>
-                  <a:schemeClr val="bg1">
-                    <a:alpha val="100000"/>
-                  </a:schemeClr>
-                </a:solidFill>
-                <a:latin typeface="+mn-ea"/>
-                <a:ea typeface="+mn-ea"/>
-              </a:rPr>
-              <a:t>) </a:t>
-            </a:r>
-            <a:r>
-              <a:rPr lang="ko-KR" altLang="en-US" sz="4000" dirty="0">
-                <a:solidFill>
-                  <a:schemeClr val="bg1">
-                    <a:alpha val="100000"/>
-                  </a:schemeClr>
-                </a:solidFill>
-                <a:latin typeface="+mn-ea"/>
-                <a:ea typeface="+mn-ea"/>
-              </a:rPr>
-              <a:t>이동</a:t>
+              <a:rPr lang="en-US" altLang="ko-KR" sz="4000" dirty="0" smtClean="0">
+                <a:solidFill>
+                  <a:schemeClr val="bg1">
+                    <a:alpha val="100000"/>
+                  </a:schemeClr>
+                </a:solidFill>
+                <a:latin typeface="+mn-ea"/>
+                <a:ea typeface="+mn-ea"/>
+              </a:rPr>
+              <a:t>AWS EC2</a:t>
+            </a:r>
+            <a:r>
+              <a:rPr lang="ko-KR" altLang="en-US" sz="4000" dirty="0" smtClean="0">
+                <a:solidFill>
+                  <a:schemeClr val="bg1">
+                    <a:alpha val="100000"/>
+                  </a:schemeClr>
+                </a:solidFill>
+                <a:latin typeface="+mn-ea"/>
+                <a:ea typeface="+mn-ea"/>
+              </a:rPr>
+              <a:t>서버 개설</a:t>
+            </a:r>
+            <a:endParaRPr lang="en-US" altLang="ko-KR" sz="4000" dirty="0" smtClean="0">
+              <a:solidFill>
+                <a:schemeClr val="bg1">
+                  <a:alpha val="100000"/>
+                </a:schemeClr>
+              </a:solidFill>
+              <a:latin typeface="+mn-ea"/>
+              <a:ea typeface="+mn-ea"/>
+            </a:endParaRPr>
+          </a:p>
+          <a:p>
+            <a:pPr marL="0" lvl="0" algn="l">
+              <a:lnSpc>
+                <a:spcPct val="100000"/>
+              </a:lnSpc>
+              <a:buFont typeface="Arial" pitchFamily="2" charset="2"/>
+              <a:buChar char="•"/>
+            </a:pPr>
+            <a:r>
+              <a:rPr lang="en-US" altLang="ko-KR" sz="4000" dirty="0" smtClean="0">
+                <a:solidFill>
+                  <a:schemeClr val="bg1">
+                    <a:alpha val="100000"/>
+                  </a:schemeClr>
+                </a:solidFill>
+                <a:latin typeface="+mn-ea"/>
+              </a:rPr>
+              <a:t>EC2</a:t>
+            </a:r>
+            <a:r>
+              <a:rPr lang="ko-KR" altLang="en-US" sz="4000" dirty="0" smtClean="0">
+                <a:solidFill>
+                  <a:schemeClr val="bg1">
+                    <a:alpha val="100000"/>
+                  </a:schemeClr>
+                </a:solidFill>
+                <a:latin typeface="+mn-ea"/>
+              </a:rPr>
+              <a:t>서버에 </a:t>
+            </a:r>
+            <a:r>
+              <a:rPr lang="en-US" altLang="ko-KR" sz="4000" dirty="0" smtClean="0">
+                <a:solidFill>
+                  <a:schemeClr val="bg1">
+                    <a:alpha val="100000"/>
+                  </a:schemeClr>
+                </a:solidFill>
+                <a:latin typeface="+mn-ea"/>
+              </a:rPr>
+              <a:t>Django</a:t>
+            </a:r>
+            <a:r>
+              <a:rPr lang="ko-KR" altLang="en-US" sz="4000" dirty="0" smtClean="0">
+                <a:solidFill>
+                  <a:schemeClr val="bg1">
+                    <a:alpha val="100000"/>
+                  </a:schemeClr>
+                </a:solidFill>
+                <a:latin typeface="+mn-ea"/>
+              </a:rPr>
+              <a:t>서버 올리기</a:t>
             </a:r>
             <a:endParaRPr lang="en-US" altLang="ko-KR" sz="4000" dirty="0">
               <a:solidFill>
